--- a/10-TCC_MBA_USP_ESALQ - GUILHERME_LIMA_DSA231_USP14529833.pptx
+++ b/10-TCC_MBA_USP_ESALQ - GUILHERME_LIMA_DSA231_USP14529833.pptx
@@ -172,18 +172,18 @@
   <pc:docChgLst>
     <pc:chgData name="Guilherme Lima" userId="182be40b6da0c931" providerId="LiveId" clId="{E7FAED09-ADEF-4635-A091-C07BA80385AC}"/>
     <pc:docChg chg="undo custSel addSld delSld modSld sldOrd">
-      <pc:chgData name="Guilherme Lima" userId="182be40b6da0c931" providerId="LiveId" clId="{E7FAED09-ADEF-4635-A091-C07BA80385AC}" dt="2025-01-26T18:01:57.972" v="6253" actId="20577"/>
+      <pc:chgData name="Guilherme Lima" userId="182be40b6da0c931" providerId="LiveId" clId="{E7FAED09-ADEF-4635-A091-C07BA80385AC}" dt="2025-01-26T18:24:13.907" v="6339"/>
       <pc:docMkLst>
         <pc:docMk/>
       </pc:docMkLst>
       <pc:sldChg chg="modSp mod">
-        <pc:chgData name="Guilherme Lima" userId="182be40b6da0c931" providerId="LiveId" clId="{E7FAED09-ADEF-4635-A091-C07BA80385AC}" dt="2025-01-26T18:01:57.972" v="6253" actId="20577"/>
+        <pc:chgData name="Guilherme Lima" userId="182be40b6da0c931" providerId="LiveId" clId="{E7FAED09-ADEF-4635-A091-C07BA80385AC}" dt="2025-01-26T18:24:13.907" v="6339"/>
         <pc:sldMkLst>
           <pc:docMk/>
           <pc:sldMk cId="0" sldId="257"/>
         </pc:sldMkLst>
         <pc:spChg chg="mod">
-          <ac:chgData name="Guilherme Lima" userId="182be40b6da0c931" providerId="LiveId" clId="{E7FAED09-ADEF-4635-A091-C07BA80385AC}" dt="2025-01-26T18:01:57.972" v="6253" actId="20577"/>
+          <ac:chgData name="Guilherme Lima" userId="182be40b6da0c931" providerId="LiveId" clId="{E7FAED09-ADEF-4635-A091-C07BA80385AC}" dt="2025-01-26T18:24:13.907" v="6339"/>
           <ac:spMkLst>
             <pc:docMk/>
             <pc:sldMk cId="0" sldId="257"/>
@@ -965,14 +965,6 @@
           <pc:docMk/>
           <pc:sldMk cId="698838981" sldId="270"/>
         </pc:sldMkLst>
-        <pc:spChg chg="mod">
-          <ac:chgData name="Guilherme Lima" userId="182be40b6da0c931" providerId="LiveId" clId="{E9EA037E-FEE1-44D9-A984-105EF27E5F17}" dt="2025-01-15T00:29:47.491" v="365" actId="6549"/>
-          <ac:spMkLst>
-            <pc:docMk/>
-            <pc:sldMk cId="698838981" sldId="270"/>
-            <ac:spMk id="3" creationId="{632D9204-3F00-5258-3C59-39A60686B4F5}"/>
-          </ac:spMkLst>
-        </pc:spChg>
       </pc:sldChg>
     </pc:docChg>
   </pc:docChgLst>
@@ -8470,7 +8462,7 @@
         <p:spPr>
           <a:xfrm>
             <a:off x="387927" y="554183"/>
-            <a:ext cx="9753600" cy="2862322"/>
+            <a:ext cx="9753600" cy="4247317"/>
           </a:xfrm>
           <a:prstGeom prst="rect">
             <a:avLst/>
@@ -8573,6 +8565,45 @@
                 <a:cs typeface="Arial" panose="020B0604020202020204" pitchFamily="34" charset="0"/>
               </a:rPr>
               <a:t>Referências Bibliográficas</a:t>
+            </a:r>
+          </a:p>
+          <a:p>
+            <a:pPr marL="285750" indent="-285750">
+              <a:buFontTx/>
+              <a:buChar char="-"/>
+            </a:pPr>
+            <a:endParaRPr lang="pt-BR" dirty="0">
+              <a:latin typeface="Arial" panose="020B0604020202020204" pitchFamily="34" charset="0"/>
+              <a:cs typeface="Arial" panose="020B0604020202020204" pitchFamily="34" charset="0"/>
+            </a:endParaRPr>
+          </a:p>
+          <a:p>
+            <a:pPr marL="285750" indent="-285750">
+              <a:buFontTx/>
+              <a:buChar char="-"/>
+            </a:pPr>
+            <a:endParaRPr lang="pt-BR" dirty="0">
+              <a:latin typeface="Arial" panose="020B0604020202020204" pitchFamily="34" charset="0"/>
+              <a:cs typeface="Arial" panose="020B0604020202020204" pitchFamily="34" charset="0"/>
+            </a:endParaRPr>
+          </a:p>
+          <a:p>
+            <a:pPr marL="285750" indent="-285750">
+              <a:buFontTx/>
+              <a:buChar char="-"/>
+            </a:pPr>
+            <a:endParaRPr lang="pt-BR" dirty="0">
+              <a:latin typeface="Arial" panose="020B0604020202020204" pitchFamily="34" charset="0"/>
+              <a:cs typeface="Arial" panose="020B0604020202020204" pitchFamily="34" charset="0"/>
+            </a:endParaRPr>
+          </a:p>
+          <a:p>
+            <a:r>
+              <a:rPr lang="pt-BR" dirty="0">
+                <a:latin typeface="Arial" panose="020B0604020202020204" pitchFamily="34" charset="0"/>
+                <a:cs typeface="Arial" panose="020B0604020202020204" pitchFamily="34" charset="0"/>
+              </a:rPr>
+              <a:t>Todos os materiais do estudo podem ser encontrados no meu perfil do GITHUB: https://github.com/iugamil/TCC_MBA_USP_ESALQ_RANDOMFORESTMULTICLASSE.git</a:t>
             </a:r>
           </a:p>
           <a:p>
@@ -10924,15 +10955,6 @@
 </file>
 
 <file path=customXml/item1.xml><?xml version="1.0" encoding="utf-8"?>
-<?mso-contentType ?>
-<FormTemplates xmlns="http://schemas.microsoft.com/sharepoint/v3/contenttype/forms">
-  <Display>DocumentLibraryForm</Display>
-  <Edit>DocumentLibraryForm</Edit>
-  <New>DocumentLibraryForm</New>
-</FormTemplates>
-</file>
-
-<file path=customXml/item2.xml><?xml version="1.0" encoding="utf-8"?>
 <ct:contentTypeSchema xmlns:ct="http://schemas.microsoft.com/office/2006/metadata/contentType" xmlns:ma="http://schemas.microsoft.com/office/2006/metadata/properties/metaAttributes" ct:_="" ma:_="" ma:contentTypeName="Documento" ma:contentTypeID="0x01010008CFA7B293EDBE4DB98FBC161D82B39F" ma:contentTypeVersion="15" ma:contentTypeDescription="Criar um novo documento." ma:contentTypeScope="" ma:versionID="effade831a778ae7b68038683f3e697f">
   <xsd:schema xmlns:xsd="http://www.w3.org/2001/XMLSchema" xmlns:xs="http://www.w3.org/2001/XMLSchema" xmlns:p="http://schemas.microsoft.com/office/2006/metadata/properties" xmlns:ns2="2c89dc19-a755-4b1f-8ccb-ddc282e02978" xmlns:ns3="1e7d8aaf-77fb-4419-819f-502bcc31ffe3" targetNamespace="http://schemas.microsoft.com/office/2006/metadata/properties" ma:root="true" ma:fieldsID="6514158ad91c855ec53455f0ffcd176b" ns2:_="" ns3:_="">
     <xsd:import namespace="2c89dc19-a755-4b1f-8ccb-ddc282e02978"/>
@@ -11167,15 +11189,16 @@
 </ct:contentTypeSchema>
 </file>
 
-<file path=customXml/itemProps1.xml><?xml version="1.0" encoding="utf-8"?>
-<ds:datastoreItem xmlns:ds="http://schemas.openxmlformats.org/officeDocument/2006/customXml" ds:itemID="{76FA3BB2-BCF3-4FE4-8F7E-A26D4BF44ABE}">
-  <ds:schemaRefs>
-    <ds:schemaRef ds:uri="http://schemas.microsoft.com/sharepoint/v3/contenttype/forms"/>
-  </ds:schemaRefs>
-</ds:datastoreItem>
+<file path=customXml/item2.xml><?xml version="1.0" encoding="utf-8"?>
+<?mso-contentType ?>
+<FormTemplates xmlns="http://schemas.microsoft.com/sharepoint/v3/contenttype/forms">
+  <Display>DocumentLibraryForm</Display>
+  <Edit>DocumentLibraryForm</Edit>
+  <New>DocumentLibraryForm</New>
+</FormTemplates>
 </file>
 
-<file path=customXml/itemProps2.xml><?xml version="1.0" encoding="utf-8"?>
+<file path=customXml/itemProps1.xml><?xml version="1.0" encoding="utf-8"?>
 <ds:datastoreItem xmlns:ds="http://schemas.openxmlformats.org/officeDocument/2006/customXml" ds:itemID="{12C2C073-87AA-4B35-B3B3-F991EBE824BF}">
   <ds:schemaRefs>
     <ds:schemaRef ds:uri="http://schemas.microsoft.com/office/2006/metadata/contentType"/>
@@ -11192,4 +11215,12 @@
     <ds:schemaRef ds:uri="http://schemas.microsoft.com/internal/obd"/>
   </ds:schemaRefs>
 </ds:datastoreItem>
+</file>
+
+<file path=customXml/itemProps2.xml><?xml version="1.0" encoding="utf-8"?>
+<ds:datastoreItem xmlns:ds="http://schemas.openxmlformats.org/officeDocument/2006/customXml" ds:itemID="{76FA3BB2-BCF3-4FE4-8F7E-A26D4BF44ABE}">
+  <ds:schemaRefs>
+    <ds:schemaRef ds:uri="http://schemas.microsoft.com/sharepoint/v3/contenttype/forms"/>
+  </ds:schemaRefs>
+</ds:datastoreItem>
 </file>